--- a/RTRN/neph_genes/mesoderm/venn.pptx
+++ b/RTRN/neph_genes/mesoderm/venn.pptx
@@ -289,7 +289,7 @@
             <a:fld id="{1D8BD707-D9CF-40AE-B4C6-C98DA3205C09}" type="datetimeFigureOut">
               <a:rPr lang="en-US" smtClean="0"/>
               <a:pPr/>
-              <a:t>6/24/2015</a:t>
+              <a:t>6/25/2015</a:t>
             </a:fld>
             <a:endParaRPr lang="en-US"/>
           </a:p>
@@ -456,7 +456,7 @@
             <a:fld id="{1D8BD707-D9CF-40AE-B4C6-C98DA3205C09}" type="datetimeFigureOut">
               <a:rPr lang="en-US" smtClean="0"/>
               <a:pPr/>
-              <a:t>6/24/2015</a:t>
+              <a:t>6/25/2015</a:t>
             </a:fld>
             <a:endParaRPr lang="en-US"/>
           </a:p>
@@ -633,7 +633,7 @@
             <a:fld id="{1D8BD707-D9CF-40AE-B4C6-C98DA3205C09}" type="datetimeFigureOut">
               <a:rPr lang="en-US" smtClean="0"/>
               <a:pPr/>
-              <a:t>6/24/2015</a:t>
+              <a:t>6/25/2015</a:t>
             </a:fld>
             <a:endParaRPr lang="en-US"/>
           </a:p>
@@ -800,7 +800,7 @@
             <a:fld id="{1D8BD707-D9CF-40AE-B4C6-C98DA3205C09}" type="datetimeFigureOut">
               <a:rPr lang="en-US" smtClean="0"/>
               <a:pPr/>
-              <a:t>6/24/2015</a:t>
+              <a:t>6/25/2015</a:t>
             </a:fld>
             <a:endParaRPr lang="en-US"/>
           </a:p>
@@ -1043,7 +1043,7 @@
             <a:fld id="{1D8BD707-D9CF-40AE-B4C6-C98DA3205C09}" type="datetimeFigureOut">
               <a:rPr lang="en-US" smtClean="0"/>
               <a:pPr/>
-              <a:t>6/24/2015</a:t>
+              <a:t>6/25/2015</a:t>
             </a:fld>
             <a:endParaRPr lang="en-US"/>
           </a:p>
@@ -1328,7 +1328,7 @@
             <a:fld id="{1D8BD707-D9CF-40AE-B4C6-C98DA3205C09}" type="datetimeFigureOut">
               <a:rPr lang="en-US" smtClean="0"/>
               <a:pPr/>
-              <a:t>6/24/2015</a:t>
+              <a:t>6/25/2015</a:t>
             </a:fld>
             <a:endParaRPr lang="en-US"/>
           </a:p>
@@ -1747,7 +1747,7 @@
             <a:fld id="{1D8BD707-D9CF-40AE-B4C6-C98DA3205C09}" type="datetimeFigureOut">
               <a:rPr lang="en-US" smtClean="0"/>
               <a:pPr/>
-              <a:t>6/24/2015</a:t>
+              <a:t>6/25/2015</a:t>
             </a:fld>
             <a:endParaRPr lang="en-US"/>
           </a:p>
@@ -1862,7 +1862,7 @@
             <a:fld id="{1D8BD707-D9CF-40AE-B4C6-C98DA3205C09}" type="datetimeFigureOut">
               <a:rPr lang="en-US" smtClean="0"/>
               <a:pPr/>
-              <a:t>6/24/2015</a:t>
+              <a:t>6/25/2015</a:t>
             </a:fld>
             <a:endParaRPr lang="en-US"/>
           </a:p>
@@ -1954,7 +1954,7 @@
             <a:fld id="{1D8BD707-D9CF-40AE-B4C6-C98DA3205C09}" type="datetimeFigureOut">
               <a:rPr lang="en-US" smtClean="0"/>
               <a:pPr/>
-              <a:t>6/24/2015</a:t>
+              <a:t>6/25/2015</a:t>
             </a:fld>
             <a:endParaRPr lang="en-US"/>
           </a:p>
@@ -2228,7 +2228,7 @@
             <a:fld id="{1D8BD707-D9CF-40AE-B4C6-C98DA3205C09}" type="datetimeFigureOut">
               <a:rPr lang="en-US" smtClean="0"/>
               <a:pPr/>
-              <a:t>6/24/2015</a:t>
+              <a:t>6/25/2015</a:t>
             </a:fld>
             <a:endParaRPr lang="en-US"/>
           </a:p>
@@ -2478,7 +2478,7 @@
             <a:fld id="{1D8BD707-D9CF-40AE-B4C6-C98DA3205C09}" type="datetimeFigureOut">
               <a:rPr lang="en-US" smtClean="0"/>
               <a:pPr/>
-              <a:t>6/24/2015</a:t>
+              <a:t>6/25/2015</a:t>
             </a:fld>
             <a:endParaRPr lang="en-US"/>
           </a:p>
@@ -2688,7 +2688,7 @@
             <a:fld id="{1D8BD707-D9CF-40AE-B4C6-C98DA3205C09}" type="datetimeFigureOut">
               <a:rPr lang="en-US" smtClean="0"/>
               <a:pPr/>
-              <a:t>6/24/2015</a:t>
+              <a:t>6/25/2015</a:t>
             </a:fld>
             <a:endParaRPr lang="en-US"/>
           </a:p>
@@ -3362,15 +3362,7 @@
             <a:pPr algn="ctr"/>
             <a:r>
               <a:rPr lang="en-US" sz="2000" dirty="0" smtClean="0"/>
-              <a:t>Distribution of RT edges in </a:t>
-            </a:r>
-            <a:r>
-              <a:rPr lang="en-US" sz="2000" dirty="0" smtClean="0"/>
-              <a:t>Mes</a:t>
-            </a:r>
-            <a:r>
-              <a:rPr lang="en-US" sz="2000" dirty="0" smtClean="0"/>
-              <a:t>oderm</a:t>
+              <a:t>Distribution of RT edges in Mesoderm</a:t>
             </a:r>
             <a:endParaRPr lang="en-US" sz="2000" dirty="0"/>
           </a:p>
@@ -3401,7 +3393,7 @@
             <a:pPr algn="ctr"/>
             <a:r>
               <a:rPr lang="en-US" dirty="0" smtClean="0"/>
-              <a:t>8</a:t>
+              <a:t>1</a:t>
             </a:r>
             <a:endParaRPr lang="en-US" dirty="0"/>
           </a:p>
@@ -3431,7 +3423,7 @@
           <a:p>
             <a:pPr algn="ctr"/>
             <a:r>
-              <a:rPr lang="en-US" dirty="0"/>
+              <a:rPr lang="en-US" dirty="0" smtClean="0"/>
               <a:t>978</a:t>
             </a:r>
             <a:endParaRPr lang="en-US" dirty="0"/>
@@ -3462,8 +3454,8 @@
           <a:p>
             <a:pPr algn="ctr"/>
             <a:r>
-              <a:rPr lang="en-US" dirty="0"/>
-              <a:t>86</a:t>
+              <a:rPr lang="en-US" dirty="0" smtClean="0"/>
+              <a:t>61</a:t>
             </a:r>
             <a:endParaRPr lang="en-US" dirty="0"/>
           </a:p>
@@ -3493,8 +3485,8 @@
           <a:p>
             <a:pPr algn="ctr"/>
             <a:r>
-              <a:rPr lang="en-US" dirty="0"/>
-              <a:t>5033</a:t>
+              <a:rPr lang="en-US" dirty="0" smtClean="0"/>
+              <a:t>5083</a:t>
             </a:r>
             <a:endParaRPr lang="en-US" dirty="0"/>
           </a:p>
@@ -3524,8 +3516,8 @@
           <a:p>
             <a:pPr algn="ctr"/>
             <a:r>
-              <a:rPr lang="en-US" dirty="0"/>
-              <a:t>2865</a:t>
+              <a:rPr lang="en-US" dirty="0" smtClean="0"/>
+              <a:t>2872</a:t>
             </a:r>
             <a:endParaRPr lang="en-US" dirty="0"/>
           </a:p>
@@ -3555,8 +3547,8 @@
           <a:p>
             <a:pPr algn="ctr"/>
             <a:r>
-              <a:rPr lang="en-US" dirty="0"/>
-              <a:t>116</a:t>
+              <a:rPr lang="en-US" dirty="0" smtClean="0"/>
+              <a:t>66</a:t>
             </a:r>
             <a:endParaRPr lang="en-US" dirty="0"/>
           </a:p>
@@ -3586,8 +3578,8 @@
           <a:p>
             <a:pPr algn="ctr"/>
             <a:r>
-              <a:rPr lang="en-US" dirty="0"/>
-              <a:t>1164</a:t>
+              <a:rPr lang="en-US" dirty="0" smtClean="0"/>
+              <a:t>1189</a:t>
             </a:r>
             <a:endParaRPr lang="en-US" dirty="0"/>
           </a:p>
@@ -3617,8 +3609,8 @@
           <a:p>
             <a:pPr algn="ctr"/>
             <a:r>
-              <a:rPr lang="en-US" dirty="0" smtClean="0"/>
-              <a:t>9</a:t>
+              <a:rPr lang="en-US" smtClean="0"/>
+              <a:t>0</a:t>
             </a:r>
             <a:endParaRPr lang="en-US" dirty="0"/>
           </a:p>
